--- a/JavaScript/Week1/Week 1.pptx
+++ b/JavaScript/Week1/Week 1.pptx
@@ -267,7 +267,7 @@
           <a:p>
             <a:fld id="{F28A4246-F2A7-4220-A405-8A96DAE08D6A}" type="datetimeFigureOut">
               <a:rPr lang="en-US" smtClean="0"/>
-              <a:t>4/28/25</a:t>
+              <a:t>4/30/25</a:t>
             </a:fld>
             <a:endParaRPr lang="en-US"/>
           </a:p>
@@ -437,7 +437,7 @@
           <a:p>
             <a:fld id="{F28A4246-F2A7-4220-A405-8A96DAE08D6A}" type="datetimeFigureOut">
               <a:rPr lang="en-US" smtClean="0"/>
-              <a:t>4/28/25</a:t>
+              <a:t>4/30/25</a:t>
             </a:fld>
             <a:endParaRPr lang="en-US"/>
           </a:p>
@@ -617,7 +617,7 @@
           <a:p>
             <a:fld id="{F28A4246-F2A7-4220-A405-8A96DAE08D6A}" type="datetimeFigureOut">
               <a:rPr lang="en-US" smtClean="0"/>
-              <a:t>4/28/25</a:t>
+              <a:t>4/30/25</a:t>
             </a:fld>
             <a:endParaRPr lang="en-US"/>
           </a:p>
@@ -787,7 +787,7 @@
           <a:p>
             <a:fld id="{F28A4246-F2A7-4220-A405-8A96DAE08D6A}" type="datetimeFigureOut">
               <a:rPr lang="en-US" smtClean="0"/>
-              <a:t>4/28/25</a:t>
+              <a:t>4/30/25</a:t>
             </a:fld>
             <a:endParaRPr lang="en-US"/>
           </a:p>
@@ -1033,7 +1033,7 @@
           <a:p>
             <a:fld id="{F28A4246-F2A7-4220-A405-8A96DAE08D6A}" type="datetimeFigureOut">
               <a:rPr lang="en-US" smtClean="0"/>
-              <a:t>4/28/25</a:t>
+              <a:t>4/30/25</a:t>
             </a:fld>
             <a:endParaRPr lang="en-US"/>
           </a:p>
@@ -1265,7 +1265,7 @@
           <a:p>
             <a:fld id="{F28A4246-F2A7-4220-A405-8A96DAE08D6A}" type="datetimeFigureOut">
               <a:rPr lang="en-US" smtClean="0"/>
-              <a:t>4/28/25</a:t>
+              <a:t>4/30/25</a:t>
             </a:fld>
             <a:endParaRPr lang="en-US"/>
           </a:p>
@@ -1632,7 +1632,7 @@
           <a:p>
             <a:fld id="{F28A4246-F2A7-4220-A405-8A96DAE08D6A}" type="datetimeFigureOut">
               <a:rPr lang="en-US" smtClean="0"/>
-              <a:t>4/28/25</a:t>
+              <a:t>4/30/25</a:t>
             </a:fld>
             <a:endParaRPr lang="en-US"/>
           </a:p>
@@ -1750,7 +1750,7 @@
           <a:p>
             <a:fld id="{F28A4246-F2A7-4220-A405-8A96DAE08D6A}" type="datetimeFigureOut">
               <a:rPr lang="en-US" smtClean="0"/>
-              <a:t>4/28/25</a:t>
+              <a:t>4/30/25</a:t>
             </a:fld>
             <a:endParaRPr lang="en-US"/>
           </a:p>
@@ -1845,7 +1845,7 @@
           <a:p>
             <a:fld id="{F28A4246-F2A7-4220-A405-8A96DAE08D6A}" type="datetimeFigureOut">
               <a:rPr lang="en-US" smtClean="0"/>
-              <a:t>4/28/25</a:t>
+              <a:t>4/30/25</a:t>
             </a:fld>
             <a:endParaRPr lang="en-US"/>
           </a:p>
@@ -2122,7 +2122,7 @@
           <a:p>
             <a:fld id="{F28A4246-F2A7-4220-A405-8A96DAE08D6A}" type="datetimeFigureOut">
               <a:rPr lang="en-US" smtClean="0"/>
-              <a:t>4/28/25</a:t>
+              <a:t>4/30/25</a:t>
             </a:fld>
             <a:endParaRPr lang="en-US"/>
           </a:p>
@@ -2379,7 +2379,7 @@
           <a:p>
             <a:fld id="{F28A4246-F2A7-4220-A405-8A96DAE08D6A}" type="datetimeFigureOut">
               <a:rPr lang="en-US" smtClean="0"/>
-              <a:t>4/28/25</a:t>
+              <a:t>4/30/25</a:t>
             </a:fld>
             <a:endParaRPr lang="en-US"/>
           </a:p>
@@ -2592,7 +2592,7 @@
           <a:p>
             <a:fld id="{F28A4246-F2A7-4220-A405-8A96DAE08D6A}" type="datetimeFigureOut">
               <a:rPr lang="en-US" smtClean="0"/>
-              <a:t>4/28/25</a:t>
+              <a:t>4/30/25</a:t>
             </a:fld>
             <a:endParaRPr lang="en-US"/>
           </a:p>
@@ -6374,7 +6374,14 @@
                 <a:effectLst/>
                 <a:latin typeface="-apple-system"/>
               </a:rPr>
-              <a:t>nded. Why?</a:t>
+              <a:t>nded. Why? Because Almost all languages use it as “statement terminator”… </a:t>
+            </a:r>
+            <a:r>
+              <a:rPr lang="en-US" b="0" i="0">
+                <a:effectLst/>
+                <a:latin typeface="-apple-system"/>
+              </a:rPr>
+              <a:t>except Python…</a:t>
             </a:r>
             <a:endParaRPr lang="en-US" dirty="0"/>
           </a:p>

--- a/JavaScript/Week1/Week 1.pptx
+++ b/JavaScript/Week1/Week 1.pptx
@@ -27,9 +27,8 @@
     <p:sldId id="274" r:id="rId21"/>
     <p:sldId id="275" r:id="rId22"/>
     <p:sldId id="276" r:id="rId23"/>
-    <p:sldId id="279" r:id="rId24"/>
-    <p:sldId id="277" r:id="rId25"/>
-    <p:sldId id="278" r:id="rId26"/>
+    <p:sldId id="277" r:id="rId24"/>
+    <p:sldId id="278" r:id="rId25"/>
   </p:sldIdLst>
   <p:sldSz cx="12192000" cy="6858000"/>
   <p:notesSz cx="6858000" cy="9144000"/>
@@ -3235,7 +3234,7 @@
         </p:spPr>
         <p:txBody>
           <a:bodyPr>
-            <a:normAutofit/>
+            <a:normAutofit lnSpcReduction="10000"/>
           </a:bodyPr>
           <a:lstStyle/>
           <a:p>
@@ -3243,6 +3242,12 @@
               <a:rPr lang="en-US" dirty="0"/>
               <a:t>White space is mostly ignored in JS. To use good indentation though we might use a plugin called “Prettier” How many of you are already using it???</a:t>
             </a:r>
+          </a:p>
+          <a:p>
+            <a:endParaRPr lang="en-US" b="0" i="0" dirty="0">
+              <a:effectLst/>
+              <a:latin typeface="-apple-system"/>
+            </a:endParaRPr>
           </a:p>
           <a:p>
             <a:r>
@@ -3252,6 +3257,9 @@
               </a:rPr>
               <a:t>JavaScript statements: a JavaScript program typically consists of a series of statements. A statement is a single-line of instruction made up of objects, expressions, variables, and events/event handlers.</a:t>
             </a:r>
+          </a:p>
+          <a:p>
+            <a:endParaRPr lang="en-US" dirty="0"/>
           </a:p>
           <a:p>
             <a:r>
@@ -3320,8 +3328,24 @@
           <a:lstStyle/>
           <a:p>
             <a:r>
-              <a:rPr lang="en-US" dirty="0"/>
-              <a:t>Functions are one of the primary building blocks of JavaScript. A function defines a subprogram that can be called by other parts of your code. JavaScript treats functions like other built-in types, and they can be stored in variables passed to functions, returned from functions or generated at run-time. Learning how to write code in terms of functions will be one of your primary goals as you get used to JavaScript</a:t>
+              <a:rPr lang="en-US" dirty="0">
+                <a:solidFill>
+                  <a:srgbClr val="FFFF00"/>
+                </a:solidFill>
+              </a:rPr>
+              <a:t>Functions</a:t>
+            </a:r>
+            <a:r>
+              <a:rPr lang="en-US" dirty="0"/>
+              <a:t> are one of the primary building blocks of JavaScript. A function defines a subprogram that can be called by other parts of your code. JavaScript treats functions like other built-in types, and they can be stored in variables passed to functions, returned from functions or generated at run-time. </a:t>
+            </a:r>
+            <a:r>
+              <a:rPr lang="en-US" dirty="0">
+                <a:solidFill>
+                  <a:srgbClr val="FFFF00"/>
+                </a:solidFill>
+              </a:rPr>
+              <a:t>Learning how to write code in terms of functions will be one of your primary goals as you get used to JavaScript</a:t>
             </a:r>
           </a:p>
           <a:p>
@@ -3333,12 +3357,24 @@
               <a:t>Variables are declared using the </a:t>
             </a:r>
             <a:r>
-              <a:rPr lang="en-US" b="1" dirty="0"/>
+              <a:rPr lang="en-US" b="1" dirty="0">
+                <a:solidFill>
+                  <a:srgbClr val="FFFF00"/>
+                </a:solidFill>
+              </a:rPr>
               <a:t>let</a:t>
             </a:r>
             <a:r>
-              <a:rPr lang="en-US" dirty="0"/>
-              <a:t> keyword. You must use the let keyword to precede a variable name, but you do not need to provide a type, since the initial value will set the type.</a:t>
+              <a:rPr lang="en-US" dirty="0">
+                <a:solidFill>
+                  <a:srgbClr val="FFFF00"/>
+                </a:solidFill>
+              </a:rPr>
+              <a:t> keyword</a:t>
+            </a:r>
+            <a:r>
+              <a:rPr lang="en-US" dirty="0"/>
+              <a:t>. You must use the let keyword to precede a variable name, but you do not need to provide a type, since the initial value will set the type.</a:t>
             </a:r>
           </a:p>
           <a:p>
@@ -3891,7 +3927,15 @@
           <a:p>
             <a:r>
               <a:rPr lang="en-US" dirty="0"/>
-              <a:t>Equal and Strict equal?? (Always prefer === in JS, to avoid coercion)</a:t>
+              <a:t>Equal and Strict equal?? (Always prefer === in JS, to avoid </a:t>
+            </a:r>
+            <a:r>
+              <a:rPr lang="en-US" dirty="0">
+                <a:solidFill>
+                  <a:srgbClr val="FFFF00"/>
+                </a:solidFill>
+              </a:rPr>
+              <a:t>coercion)</a:t>
             </a:r>
           </a:p>
           <a:p>
@@ -4811,7 +4855,7 @@
             </a:r>
             <a:r>
               <a:rPr lang="en-US" dirty="0"/>
-              <a:t>)User-defined Functions</a:t>
+              <a:t>)User-defined Functions ( those functions defined by us as users)</a:t>
             </a:r>
           </a:p>
           <a:p>
@@ -4820,8 +4864,34 @@
             </a:pPr>
             <a:r>
               <a:rPr lang="en-US" dirty="0"/>
-              <a:t>     ii) Pre-defined functions.</a:t>
-            </a:r>
+              <a:t>     ii) Pre-defined functions (readily available functions in JS).</a:t>
+            </a:r>
+          </a:p>
+          <a:p>
+            <a:pPr marL="0" indent="0">
+              <a:buNone/>
+            </a:pPr>
+            <a:endParaRPr lang="en-US" dirty="0"/>
+          </a:p>
+          <a:p>
+            <a:pPr marL="0" indent="0">
+              <a:buNone/>
+            </a:pPr>
+            <a:r>
+              <a:rPr lang="en-US" dirty="0"/>
+              <a:t>We will start </a:t>
+            </a:r>
+            <a:r>
+              <a:rPr lang="en-US"/>
+              <a:t>from slide 22 next week </a:t>
+            </a:r>
+            <a:r>
+              <a:rPr lang="en-US">
+                <a:sym typeface="Wingdings" pitchFamily="2" charset="2"/>
+              </a:rPr>
+              <a:t></a:t>
+            </a:r>
+            <a:endParaRPr lang="en-US" dirty="0"/>
           </a:p>
           <a:p>
             <a:endParaRPr lang="en-US" dirty="0"/>
@@ -4986,86 +5056,6 @@
           <p:cNvPr id="2" name="Title 1">
             <a:extLst>
               <a:ext uri="{FF2B5EF4-FFF2-40B4-BE49-F238E27FC236}">
-                <a16:creationId xmlns:a16="http://schemas.microsoft.com/office/drawing/2014/main" id="{5F5131C9-6DB0-0C36-BD3F-D4A7C97BA9E0}"/>
-              </a:ext>
-            </a:extLst>
-          </p:cNvPr>
-          <p:cNvSpPr>
-            <a:spLocks noGrp="1"/>
-          </p:cNvSpPr>
-          <p:nvPr>
-            <p:ph type="title"/>
-          </p:nvPr>
-        </p:nvSpPr>
-        <p:spPr/>
-        <p:txBody>
-          <a:bodyPr/>
-          <a:lstStyle/>
-          <a:p>
-            <a:endParaRPr lang="en-US"/>
-          </a:p>
-        </p:txBody>
-      </p:sp>
-      <p:sp>
-        <p:nvSpPr>
-          <p:cNvPr id="3" name="Content Placeholder 2">
-            <a:extLst>
-              <a:ext uri="{FF2B5EF4-FFF2-40B4-BE49-F238E27FC236}">
-                <a16:creationId xmlns:a16="http://schemas.microsoft.com/office/drawing/2014/main" id="{B0363946-EB75-971B-460E-71A01D278FBC}"/>
-              </a:ext>
-            </a:extLst>
-          </p:cNvPr>
-          <p:cNvSpPr>
-            <a:spLocks noGrp="1"/>
-          </p:cNvSpPr>
-          <p:nvPr>
-            <p:ph idx="1"/>
-          </p:nvPr>
-        </p:nvSpPr>
-        <p:spPr/>
-        <p:txBody>
-          <a:bodyPr/>
-          <a:lstStyle/>
-          <a:p>
-            <a:endParaRPr lang="en-US"/>
-          </a:p>
-        </p:txBody>
-      </p:sp>
-    </p:spTree>
-    <p:extLst>
-      <p:ext uri="{BB962C8B-B14F-4D97-AF65-F5344CB8AC3E}">
-        <p14:creationId xmlns:p14="http://schemas.microsoft.com/office/powerpoint/2010/main" val="3053506963"/>
-      </p:ext>
-    </p:extLst>
-  </p:cSld>
-  <p:clrMapOvr>
-    <a:masterClrMapping/>
-  </p:clrMapOvr>
-</p:sld>
-</file>
-
-<file path=ppt/slides/slide24.xml><?xml version="1.0" encoding="utf-8"?>
-<p:sld xmlns:a="http://schemas.openxmlformats.org/drawingml/2006/main" xmlns:r="http://schemas.openxmlformats.org/officeDocument/2006/relationships" xmlns:p="http://schemas.openxmlformats.org/presentationml/2006/main">
-  <p:cSld>
-    <p:spTree>
-      <p:nvGrpSpPr>
-        <p:cNvPr id="1" name=""/>
-        <p:cNvGrpSpPr/>
-        <p:nvPr/>
-      </p:nvGrpSpPr>
-      <p:grpSpPr>
-        <a:xfrm>
-          <a:off x="0" y="0"/>
-          <a:ext cx="0" cy="0"/>
-          <a:chOff x="0" y="0"/>
-          <a:chExt cx="0" cy="0"/>
-        </a:xfrm>
-      </p:grpSpPr>
-      <p:sp>
-        <p:nvSpPr>
-          <p:cNvPr id="2" name="Title 1">
-            <a:extLst>
-              <a:ext uri="{FF2B5EF4-FFF2-40B4-BE49-F238E27FC236}">
                 <a16:creationId xmlns:a16="http://schemas.microsoft.com/office/drawing/2014/main" id="{2435461A-1206-6847-9D7B-6C040F764DF1}"/>
               </a:ext>
             </a:extLst>
@@ -5241,7 +5231,7 @@
 </p:sld>
 </file>
 
-<file path=ppt/slides/slide25.xml><?xml version="1.0" encoding="utf-8"?>
+<file path=ppt/slides/slide24.xml><?xml version="1.0" encoding="utf-8"?>
 <p:sld xmlns:a="http://schemas.openxmlformats.org/drawingml/2006/main" xmlns:r="http://schemas.openxmlformats.org/officeDocument/2006/relationships" xmlns:p="http://schemas.openxmlformats.org/presentationml/2006/main">
   <p:cSld>
     <p:spTree>
@@ -6374,14 +6364,7 @@
                 <a:effectLst/>
                 <a:latin typeface="-apple-system"/>
               </a:rPr>
-              <a:t>nded. Why? Because Almost all languages use it as “statement terminator”… </a:t>
-            </a:r>
-            <a:r>
-              <a:rPr lang="en-US" b="0" i="0">
-                <a:effectLst/>
-                <a:latin typeface="-apple-system"/>
-              </a:rPr>
-              <a:t>except Python…</a:t>
+              <a:t>nded. Why? Because Almost all languages use it as “statement terminator”… except Python…</a:t>
             </a:r>
             <a:endParaRPr lang="en-US" dirty="0"/>
           </a:p>
